--- a/img/pin_map_2040.pptx
+++ b/img/pin_map_2040.pptx
@@ -7,6 +7,7 @@
   <p:sldIdLst>
     <p:sldId id="256" r:id="rId2"/>
     <p:sldId id="258" r:id="rId3"/>
+    <p:sldId id="259" r:id="rId4"/>
   </p:sldIdLst>
   <p:sldSz cx="12192000" cy="6858000"/>
   <p:notesSz cx="6858000" cy="9144000"/>
@@ -3360,513 +3361,469 @@
           <a:chExt cx="0" cy="0"/>
         </a:xfrm>
       </p:grpSpPr>
-      <p:grpSp>
-        <p:nvGrpSpPr>
-          <p:cNvPr id="6" name="组合 5">
-            <a:extLst>
-              <a:ext uri="{FF2B5EF4-FFF2-40B4-BE49-F238E27FC236}">
-                <a16:creationId xmlns:a16="http://schemas.microsoft.com/office/drawing/2014/main" id="{D7FDE84F-0DFD-44FE-896F-B8190D2F1139}"/>
-              </a:ext>
-            </a:extLst>
-          </p:cNvPr>
-          <p:cNvGrpSpPr>
-            <a:grpSpLocks noChangeAspect="1"/>
-          </p:cNvGrpSpPr>
+      <p:pic>
+        <p:nvPicPr>
+          <p:cNvPr id="22" name="图片 21">
+            <a:extLst>
+              <a:ext uri="{FF2B5EF4-FFF2-40B4-BE49-F238E27FC236}">
+                <a16:creationId xmlns:a16="http://schemas.microsoft.com/office/drawing/2014/main" id="{509AF85B-EF4F-48D7-BC4F-6424EFA1149C}"/>
+              </a:ext>
+            </a:extLst>
+          </p:cNvPr>
+          <p:cNvPicPr>
+            <a:picLocks noChangeAspect="1"/>
+          </p:cNvPicPr>
           <p:nvPr/>
-        </p:nvGrpSpPr>
-        <p:grpSpPr>
+        </p:nvPicPr>
+        <p:blipFill>
+          <a:blip r:embed="rId2">
+            <a:extLst>
+              <a:ext uri="{28A0092B-C50C-407E-A947-70E740481C1C}">
+                <a14:useLocalDpi xmlns:a14="http://schemas.microsoft.com/office/drawing/2010/main" val="0"/>
+              </a:ext>
+            </a:extLst>
+          </a:blip>
+          <a:stretch>
+            <a:fillRect/>
+          </a:stretch>
+        </p:blipFill>
+        <p:spPr>
           <a:xfrm>
-            <a:off x="2913938" y="294554"/>
-            <a:ext cx="6364123" cy="4330759"/>
-            <a:chOff x="1838689" y="363030"/>
-            <a:chExt cx="5682251" cy="3866749"/>
+            <a:off x="3497963" y="200617"/>
+            <a:ext cx="5774345" cy="4330759"/>
           </a:xfrm>
-        </p:grpSpPr>
-        <p:pic>
-          <p:nvPicPr>
-            <p:cNvPr id="4" name="图片 3">
-              <a:extLst>
-                <a:ext uri="{FF2B5EF4-FFF2-40B4-BE49-F238E27FC236}">
-                  <a16:creationId xmlns:a16="http://schemas.microsoft.com/office/drawing/2014/main" id="{8068EDDA-EE7E-487D-ADCA-731E9BC79ECA}"/>
-                </a:ext>
-              </a:extLst>
-            </p:cNvPr>
-            <p:cNvPicPr>
-              <a:picLocks noChangeAspect="1"/>
-            </p:cNvPicPr>
-            <p:nvPr/>
-          </p:nvPicPr>
-          <p:blipFill>
-            <a:blip r:embed="rId2">
-              <a:extLst>
-                <a:ext uri="{28A0092B-C50C-407E-A947-70E740481C1C}">
-                  <a14:useLocalDpi xmlns:a14="http://schemas.microsoft.com/office/drawing/2010/main" val="0"/>
-                </a:ext>
-              </a:extLst>
-            </a:blip>
-            <a:stretch>
-              <a:fillRect/>
-            </a:stretch>
-          </p:blipFill>
-          <p:spPr>
-            <a:xfrm>
-              <a:off x="2365276" y="363030"/>
-              <a:ext cx="5155664" cy="3866749"/>
-            </a:xfrm>
-            <a:prstGeom prst="rect">
-              <a:avLst/>
-            </a:prstGeom>
-          </p:spPr>
-        </p:pic>
-        <p:grpSp>
-          <p:nvGrpSpPr>
-            <p:cNvPr id="9" name="组合 8">
-              <a:extLst>
-                <a:ext uri="{FF2B5EF4-FFF2-40B4-BE49-F238E27FC236}">
-                  <a16:creationId xmlns:a16="http://schemas.microsoft.com/office/drawing/2014/main" id="{55645112-D07C-4C6B-9392-39D9BADB5575}"/>
-                </a:ext>
-              </a:extLst>
-            </p:cNvPr>
-            <p:cNvGrpSpPr/>
-            <p:nvPr/>
-          </p:nvGrpSpPr>
-          <p:grpSpPr>
-            <a:xfrm>
-              <a:off x="1838689" y="1484042"/>
-              <a:ext cx="403562" cy="1577340"/>
-              <a:chOff x="3233387" y="1427998"/>
-              <a:chExt cx="386016" cy="1508760"/>
-            </a:xfrm>
-          </p:grpSpPr>
-          <p:pic>
-            <p:nvPicPr>
-              <p:cNvPr id="15" name="图片 14">
-                <a:extLst>
-                  <a:ext uri="{FF2B5EF4-FFF2-40B4-BE49-F238E27FC236}">
-                    <a16:creationId xmlns:a16="http://schemas.microsoft.com/office/drawing/2014/main" id="{90FF3E6A-CD31-42D0-AE3C-13BDCB845E81}"/>
-                  </a:ext>
-                </a:extLst>
-              </p:cNvPr>
-              <p:cNvPicPr>
-                <a:picLocks noChangeAspect="1"/>
-              </p:cNvPicPr>
-              <p:nvPr/>
-            </p:nvPicPr>
-            <p:blipFill>
-              <a:blip r:embed="rId3">
-                <a:extLst>
-                  <a:ext uri="{28A0092B-C50C-407E-A947-70E740481C1C}">
-                    <a14:useLocalDpi xmlns:a14="http://schemas.microsoft.com/office/drawing/2010/main" val="0"/>
-                  </a:ext>
-                </a:extLst>
-              </a:blip>
-              <a:stretch>
-                <a:fillRect/>
-              </a:stretch>
-            </p:blipFill>
-            <p:spPr>
-              <a:xfrm>
-                <a:off x="3233387" y="1427998"/>
-                <a:ext cx="386016" cy="386016"/>
-              </a:xfrm>
-              <a:prstGeom prst="rect">
-                <a:avLst/>
-              </a:prstGeom>
-            </p:spPr>
-          </p:pic>
-          <p:pic>
-            <p:nvPicPr>
-              <p:cNvPr id="17" name="图片 16">
-                <a:extLst>
-                  <a:ext uri="{FF2B5EF4-FFF2-40B4-BE49-F238E27FC236}">
-                    <a16:creationId xmlns:a16="http://schemas.microsoft.com/office/drawing/2014/main" id="{C01174B4-89C2-4D0C-B26F-33035E962224}"/>
-                  </a:ext>
-                </a:extLst>
-              </p:cNvPr>
-              <p:cNvPicPr>
-                <a:picLocks noChangeAspect="1"/>
-              </p:cNvPicPr>
-              <p:nvPr/>
-            </p:nvPicPr>
-            <p:blipFill>
-              <a:blip r:embed="rId4">
-                <a:extLst>
-                  <a:ext uri="{28A0092B-C50C-407E-A947-70E740481C1C}">
-                    <a14:useLocalDpi xmlns:a14="http://schemas.microsoft.com/office/drawing/2010/main" val="0"/>
-                  </a:ext>
-                </a:extLst>
-              </a:blip>
-              <a:stretch>
-                <a:fillRect/>
-              </a:stretch>
-            </p:blipFill>
-            <p:spPr>
-              <a:xfrm>
-                <a:off x="3233387" y="1802246"/>
-                <a:ext cx="386016" cy="386016"/>
-              </a:xfrm>
-              <a:prstGeom prst="rect">
-                <a:avLst/>
-              </a:prstGeom>
-            </p:spPr>
-          </p:pic>
-          <p:pic>
-            <p:nvPicPr>
-              <p:cNvPr id="19" name="图片 18">
-                <a:extLst>
-                  <a:ext uri="{FF2B5EF4-FFF2-40B4-BE49-F238E27FC236}">
-                    <a16:creationId xmlns:a16="http://schemas.microsoft.com/office/drawing/2014/main" id="{07BC457B-E507-47EA-A887-0ABE6C066AD7}"/>
-                  </a:ext>
-                </a:extLst>
-              </p:cNvPr>
-              <p:cNvPicPr>
-                <a:picLocks noChangeAspect="1"/>
-              </p:cNvPicPr>
-              <p:nvPr/>
-            </p:nvPicPr>
-            <p:blipFill>
-              <a:blip r:embed="rId5">
-                <a:extLst>
-                  <a:ext uri="{28A0092B-C50C-407E-A947-70E740481C1C}">
-                    <a14:useLocalDpi xmlns:a14="http://schemas.microsoft.com/office/drawing/2010/main" val="0"/>
-                  </a:ext>
-                </a:extLst>
-              </a:blip>
-              <a:stretch>
-                <a:fillRect/>
-              </a:stretch>
-            </p:blipFill>
-            <p:spPr>
-              <a:xfrm>
-                <a:off x="3233387" y="2176494"/>
-                <a:ext cx="386016" cy="386016"/>
-              </a:xfrm>
-              <a:prstGeom prst="rect">
-                <a:avLst/>
-              </a:prstGeom>
-            </p:spPr>
-          </p:pic>
-          <p:pic>
-            <p:nvPicPr>
-              <p:cNvPr id="21" name="图片 20">
-                <a:extLst>
-                  <a:ext uri="{FF2B5EF4-FFF2-40B4-BE49-F238E27FC236}">
-                    <a16:creationId xmlns:a16="http://schemas.microsoft.com/office/drawing/2014/main" id="{C6EF89C3-AFE4-4732-9118-178D0EDE0DE1}"/>
-                  </a:ext>
-                </a:extLst>
-              </p:cNvPr>
-              <p:cNvPicPr>
-                <a:picLocks noChangeAspect="1"/>
-              </p:cNvPicPr>
-              <p:nvPr/>
-            </p:nvPicPr>
-            <p:blipFill>
-              <a:blip r:embed="rId6">
-                <a:extLst>
-                  <a:ext uri="{28A0092B-C50C-407E-A947-70E740481C1C}">
-                    <a14:useLocalDpi xmlns:a14="http://schemas.microsoft.com/office/drawing/2010/main" val="0"/>
-                  </a:ext>
-                </a:extLst>
-              </a:blip>
-              <a:stretch>
-                <a:fillRect/>
-              </a:stretch>
-            </p:blipFill>
-            <p:spPr>
-              <a:xfrm>
-                <a:off x="3233387" y="2550742"/>
-                <a:ext cx="386016" cy="386016"/>
-              </a:xfrm>
-              <a:prstGeom prst="rect">
-                <a:avLst/>
-              </a:prstGeom>
-            </p:spPr>
-          </p:pic>
-        </p:grpSp>
-        <p:cxnSp>
-          <p:nvCxnSpPr>
-            <p:cNvPr id="59" name="直接连接符 58">
-              <a:extLst>
-                <a:ext uri="{FF2B5EF4-FFF2-40B4-BE49-F238E27FC236}">
-                  <a16:creationId xmlns:a16="http://schemas.microsoft.com/office/drawing/2014/main" id="{554D8D14-D48D-45F6-89A6-634C964B8AE8}"/>
-                </a:ext>
-              </a:extLst>
-            </p:cNvPr>
-            <p:cNvCxnSpPr>
-              <a:cxnSpLocks/>
-            </p:cNvCxnSpPr>
-            <p:nvPr/>
-          </p:nvCxnSpPr>
-          <p:spPr>
-            <a:xfrm>
-              <a:off x="2644192" y="1923748"/>
-              <a:ext cx="1005840" cy="0"/>
-            </a:xfrm>
-            <a:prstGeom prst="line">
-              <a:avLst/>
-            </a:prstGeom>
-            <a:ln w="9525" cap="flat" cmpd="sng" algn="ctr">
-              <a:solidFill>
-                <a:schemeClr val="accent3"/>
-              </a:solidFill>
-              <a:prstDash val="dash"/>
-              <a:round/>
-              <a:headEnd type="none" w="med" len="med"/>
-              <a:tailEnd type="none" w="med" len="med"/>
-            </a:ln>
-          </p:spPr>
-          <p:style>
-            <a:lnRef idx="0">
-              <a:scrgbClr r="0" g="0" b="0"/>
-            </a:lnRef>
-            <a:fillRef idx="0">
-              <a:scrgbClr r="0" g="0" b="0"/>
-            </a:fillRef>
-            <a:effectRef idx="0">
-              <a:scrgbClr r="0" g="0" b="0"/>
-            </a:effectRef>
-            <a:fontRef idx="minor">
-              <a:schemeClr val="tx1"/>
-            </a:fontRef>
-          </p:style>
-        </p:cxnSp>
-        <p:cxnSp>
-          <p:nvCxnSpPr>
-            <p:cNvPr id="62" name="直接连接符 61">
-              <a:extLst>
-                <a:ext uri="{FF2B5EF4-FFF2-40B4-BE49-F238E27FC236}">
-                  <a16:creationId xmlns:a16="http://schemas.microsoft.com/office/drawing/2014/main" id="{71513585-2402-4773-B202-B5A94B9B4E68}"/>
-                </a:ext>
-              </a:extLst>
-            </p:cNvPr>
-            <p:cNvCxnSpPr>
-              <a:cxnSpLocks/>
-            </p:cNvCxnSpPr>
-            <p:nvPr/>
-          </p:nvCxnSpPr>
-          <p:spPr>
-            <a:xfrm>
-              <a:off x="2644192" y="2624965"/>
-              <a:ext cx="1005840" cy="0"/>
-            </a:xfrm>
-            <a:prstGeom prst="line">
-              <a:avLst/>
-            </a:prstGeom>
-            <a:ln w="9525" cap="flat" cmpd="sng" algn="ctr">
-              <a:solidFill>
-                <a:schemeClr val="accent3"/>
-              </a:solidFill>
-              <a:prstDash val="dash"/>
-              <a:round/>
-              <a:headEnd type="none" w="med" len="med"/>
-              <a:tailEnd type="none" w="med" len="med"/>
-            </a:ln>
-          </p:spPr>
-          <p:style>
-            <a:lnRef idx="0">
-              <a:scrgbClr r="0" g="0" b="0"/>
-            </a:lnRef>
-            <a:fillRef idx="0">
-              <a:scrgbClr r="0" g="0" b="0"/>
-            </a:fillRef>
-            <a:effectRef idx="0">
-              <a:scrgbClr r="0" g="0" b="0"/>
-            </a:effectRef>
-            <a:fontRef idx="minor">
-              <a:schemeClr val="tx1"/>
-            </a:fontRef>
-          </p:style>
-        </p:cxnSp>
-        <p:cxnSp>
-          <p:nvCxnSpPr>
-            <p:cNvPr id="64" name="直接连接符 63">
-              <a:extLst>
-                <a:ext uri="{FF2B5EF4-FFF2-40B4-BE49-F238E27FC236}">
-                  <a16:creationId xmlns:a16="http://schemas.microsoft.com/office/drawing/2014/main" id="{F11B205F-0707-4A55-ACA4-3B1022C2AD5E}"/>
-                </a:ext>
-              </a:extLst>
-            </p:cNvPr>
-            <p:cNvCxnSpPr>
-              <a:cxnSpLocks/>
-            </p:cNvCxnSpPr>
-            <p:nvPr/>
-          </p:nvCxnSpPr>
-          <p:spPr>
-            <a:xfrm flipV="1">
-              <a:off x="2236775" y="2393859"/>
-              <a:ext cx="1371600" cy="0"/>
-            </a:xfrm>
-            <a:prstGeom prst="line">
-              <a:avLst/>
-            </a:prstGeom>
-            <a:ln w="9525" cap="flat" cmpd="sng" algn="ctr">
-              <a:solidFill>
-                <a:schemeClr val="accent3"/>
-              </a:solidFill>
-              <a:prstDash val="dash"/>
-              <a:round/>
-              <a:headEnd type="none" w="med" len="med"/>
-              <a:tailEnd type="none" w="med" len="med"/>
-            </a:ln>
-          </p:spPr>
-          <p:style>
-            <a:lnRef idx="0">
-              <a:scrgbClr r="0" g="0" b="0"/>
-            </a:lnRef>
-            <a:fillRef idx="0">
-              <a:scrgbClr r="0" g="0" b="0"/>
-            </a:fillRef>
-            <a:effectRef idx="0">
-              <a:scrgbClr r="0" g="0" b="0"/>
-            </a:effectRef>
-            <a:fontRef idx="minor">
-              <a:schemeClr val="tx1"/>
-            </a:fontRef>
-          </p:style>
-        </p:cxnSp>
-        <p:cxnSp>
-          <p:nvCxnSpPr>
-            <p:cNvPr id="69" name="直接连接符 68">
-              <a:extLst>
-                <a:ext uri="{FF2B5EF4-FFF2-40B4-BE49-F238E27FC236}">
-                  <a16:creationId xmlns:a16="http://schemas.microsoft.com/office/drawing/2014/main" id="{C23963EC-181B-4C8C-91B5-30994438B94F}"/>
-                </a:ext>
-              </a:extLst>
-            </p:cNvPr>
-            <p:cNvCxnSpPr>
-              <a:cxnSpLocks/>
-            </p:cNvCxnSpPr>
-            <p:nvPr/>
-          </p:nvCxnSpPr>
-          <p:spPr>
-            <a:xfrm>
-              <a:off x="2242251" y="2152114"/>
-              <a:ext cx="1371600" cy="0"/>
-            </a:xfrm>
-            <a:prstGeom prst="line">
-              <a:avLst/>
-            </a:prstGeom>
-            <a:ln w="9525" cap="flat" cmpd="sng" algn="ctr">
-              <a:solidFill>
-                <a:schemeClr val="accent3"/>
-              </a:solidFill>
-              <a:prstDash val="dash"/>
-              <a:round/>
-              <a:headEnd type="none" w="med" len="med"/>
-              <a:tailEnd type="none" w="med" len="med"/>
-            </a:ln>
-          </p:spPr>
-          <p:style>
-            <a:lnRef idx="0">
-              <a:scrgbClr r="0" g="0" b="0"/>
-            </a:lnRef>
-            <a:fillRef idx="0">
-              <a:scrgbClr r="0" g="0" b="0"/>
-            </a:fillRef>
-            <a:effectRef idx="0">
-              <a:scrgbClr r="0" g="0" b="0"/>
-            </a:effectRef>
-            <a:fontRef idx="minor">
-              <a:schemeClr val="tx1"/>
-            </a:fontRef>
-          </p:style>
-        </p:cxnSp>
-        <p:cxnSp>
-          <p:nvCxnSpPr>
-            <p:cNvPr id="83" name="直接连接符 82">
-              <a:extLst>
-                <a:ext uri="{FF2B5EF4-FFF2-40B4-BE49-F238E27FC236}">
-                  <a16:creationId xmlns:a16="http://schemas.microsoft.com/office/drawing/2014/main" id="{2B1DA2A3-4ED3-4440-94B7-BBD22FB36479}"/>
-                </a:ext>
-              </a:extLst>
-            </p:cNvPr>
-            <p:cNvCxnSpPr>
-              <a:cxnSpLocks/>
-              <a:endCxn id="15" idx="3"/>
-            </p:cNvCxnSpPr>
-            <p:nvPr/>
-          </p:nvCxnSpPr>
-          <p:spPr>
-            <a:xfrm flipH="1" flipV="1">
-              <a:off x="2242251" y="1685823"/>
-              <a:ext cx="401941" cy="237926"/>
-            </a:xfrm>
-            <a:prstGeom prst="line">
-              <a:avLst/>
-            </a:prstGeom>
-            <a:ln w="9525" cap="flat" cmpd="sng" algn="ctr">
-              <a:solidFill>
-                <a:schemeClr val="accent3"/>
-              </a:solidFill>
-              <a:prstDash val="dash"/>
-              <a:round/>
-              <a:headEnd type="none" w="med" len="med"/>
-              <a:tailEnd type="none" w="med" len="med"/>
-            </a:ln>
-          </p:spPr>
-          <p:style>
-            <a:lnRef idx="0">
-              <a:scrgbClr r="0" g="0" b="0"/>
-            </a:lnRef>
-            <a:fillRef idx="0">
-              <a:scrgbClr r="0" g="0" b="0"/>
-            </a:fillRef>
-            <a:effectRef idx="0">
-              <a:scrgbClr r="0" g="0" b="0"/>
-            </a:effectRef>
-            <a:fontRef idx="minor">
-              <a:schemeClr val="tx1"/>
-            </a:fontRef>
-          </p:style>
-        </p:cxnSp>
-        <p:cxnSp>
-          <p:nvCxnSpPr>
-            <p:cNvPr id="86" name="直接连接符 85">
-              <a:extLst>
-                <a:ext uri="{FF2B5EF4-FFF2-40B4-BE49-F238E27FC236}">
-                  <a16:creationId xmlns:a16="http://schemas.microsoft.com/office/drawing/2014/main" id="{1DDB23F1-BC13-4F76-9BE4-AB93E1600A98}"/>
-                </a:ext>
-              </a:extLst>
-            </p:cNvPr>
-            <p:cNvCxnSpPr>
-              <a:endCxn id="21" idx="3"/>
-            </p:cNvCxnSpPr>
-            <p:nvPr/>
-          </p:nvCxnSpPr>
-          <p:spPr>
-            <a:xfrm flipH="1">
-              <a:off x="2242251" y="2624965"/>
-              <a:ext cx="401940" cy="234636"/>
-            </a:xfrm>
-            <a:prstGeom prst="line">
-              <a:avLst/>
-            </a:prstGeom>
-            <a:ln w="9525" cap="flat" cmpd="sng" algn="ctr">
-              <a:solidFill>
-                <a:schemeClr val="accent3"/>
-              </a:solidFill>
-              <a:prstDash val="dash"/>
-              <a:round/>
-              <a:headEnd type="none" w="med" len="med"/>
-              <a:tailEnd type="none" w="med" len="med"/>
-            </a:ln>
-          </p:spPr>
-          <p:style>
-            <a:lnRef idx="0">
-              <a:scrgbClr r="0" g="0" b="0"/>
-            </a:lnRef>
-            <a:fillRef idx="0">
-              <a:scrgbClr r="0" g="0" b="0"/>
-            </a:fillRef>
-            <a:effectRef idx="0">
-              <a:scrgbClr r="0" g="0" b="0"/>
-            </a:effectRef>
-            <a:fontRef idx="minor">
-              <a:schemeClr val="tx1"/>
-            </a:fontRef>
-          </p:style>
-        </p:cxnSp>
-      </p:grpSp>
+          <a:prstGeom prst="rect">
+            <a:avLst/>
+          </a:prstGeom>
+        </p:spPr>
+      </p:pic>
+      <p:pic>
+        <p:nvPicPr>
+          <p:cNvPr id="15" name="图片 14">
+            <a:extLst>
+              <a:ext uri="{FF2B5EF4-FFF2-40B4-BE49-F238E27FC236}">
+                <a16:creationId xmlns:a16="http://schemas.microsoft.com/office/drawing/2014/main" id="{90FF3E6A-CD31-42D0-AE3C-13BDCB845E81}"/>
+              </a:ext>
+            </a:extLst>
+          </p:cNvPr>
+          <p:cNvPicPr>
+            <a:picLocks noChangeAspect="1"/>
+          </p:cNvPicPr>
+          <p:nvPr/>
+        </p:nvPicPr>
+        <p:blipFill>
+          <a:blip r:embed="rId3">
+            <a:extLst>
+              <a:ext uri="{28A0092B-C50C-407E-A947-70E740481C1C}">
+                <a14:useLocalDpi xmlns:a14="http://schemas.microsoft.com/office/drawing/2010/main" val="0"/>
+              </a:ext>
+            </a:extLst>
+          </a:blip>
+          <a:stretch>
+            <a:fillRect/>
+          </a:stretch>
+        </p:blipFill>
+        <p:spPr>
+          <a:xfrm>
+            <a:off x="2862080" y="1452466"/>
+            <a:ext cx="451990" cy="451990"/>
+          </a:xfrm>
+          <a:prstGeom prst="rect">
+            <a:avLst/>
+          </a:prstGeom>
+        </p:spPr>
+      </p:pic>
+      <p:pic>
+        <p:nvPicPr>
+          <p:cNvPr id="17" name="图片 16">
+            <a:extLst>
+              <a:ext uri="{FF2B5EF4-FFF2-40B4-BE49-F238E27FC236}">
+                <a16:creationId xmlns:a16="http://schemas.microsoft.com/office/drawing/2014/main" id="{C01174B4-89C2-4D0C-B26F-33035E962224}"/>
+              </a:ext>
+            </a:extLst>
+          </p:cNvPr>
+          <p:cNvPicPr>
+            <a:picLocks noChangeAspect="1"/>
+          </p:cNvPicPr>
+          <p:nvPr/>
+        </p:nvPicPr>
+        <p:blipFill>
+          <a:blip r:embed="rId4">
+            <a:extLst>
+              <a:ext uri="{28A0092B-C50C-407E-A947-70E740481C1C}">
+                <a14:useLocalDpi xmlns:a14="http://schemas.microsoft.com/office/drawing/2010/main" val="0"/>
+              </a:ext>
+            </a:extLst>
+          </a:blip>
+          <a:stretch>
+            <a:fillRect/>
+          </a:stretch>
+        </p:blipFill>
+        <p:spPr>
+          <a:xfrm>
+            <a:off x="2862080" y="1890676"/>
+            <a:ext cx="451990" cy="451990"/>
+          </a:xfrm>
+          <a:prstGeom prst="rect">
+            <a:avLst/>
+          </a:prstGeom>
+        </p:spPr>
+      </p:pic>
+      <p:pic>
+        <p:nvPicPr>
+          <p:cNvPr id="19" name="图片 18">
+            <a:extLst>
+              <a:ext uri="{FF2B5EF4-FFF2-40B4-BE49-F238E27FC236}">
+                <a16:creationId xmlns:a16="http://schemas.microsoft.com/office/drawing/2014/main" id="{07BC457B-E507-47EA-A887-0ABE6C066AD7}"/>
+              </a:ext>
+            </a:extLst>
+          </p:cNvPr>
+          <p:cNvPicPr>
+            <a:picLocks noChangeAspect="1"/>
+          </p:cNvPicPr>
+          <p:nvPr/>
+        </p:nvPicPr>
+        <p:blipFill>
+          <a:blip r:embed="rId5">
+            <a:extLst>
+              <a:ext uri="{28A0092B-C50C-407E-A947-70E740481C1C}">
+                <a14:useLocalDpi xmlns:a14="http://schemas.microsoft.com/office/drawing/2010/main" val="0"/>
+              </a:ext>
+            </a:extLst>
+          </a:blip>
+          <a:stretch>
+            <a:fillRect/>
+          </a:stretch>
+        </p:blipFill>
+        <p:spPr>
+          <a:xfrm>
+            <a:off x="2862080" y="2328887"/>
+            <a:ext cx="451990" cy="451990"/>
+          </a:xfrm>
+          <a:prstGeom prst="rect">
+            <a:avLst/>
+          </a:prstGeom>
+        </p:spPr>
+      </p:pic>
+      <p:pic>
+        <p:nvPicPr>
+          <p:cNvPr id="21" name="图片 20">
+            <a:extLst>
+              <a:ext uri="{FF2B5EF4-FFF2-40B4-BE49-F238E27FC236}">
+                <a16:creationId xmlns:a16="http://schemas.microsoft.com/office/drawing/2014/main" id="{C6EF89C3-AFE4-4732-9118-178D0EDE0DE1}"/>
+              </a:ext>
+            </a:extLst>
+          </p:cNvPr>
+          <p:cNvPicPr>
+            <a:picLocks noChangeAspect="1"/>
+          </p:cNvPicPr>
+          <p:nvPr/>
+        </p:nvPicPr>
+        <p:blipFill>
+          <a:blip r:embed="rId6">
+            <a:extLst>
+              <a:ext uri="{28A0092B-C50C-407E-A947-70E740481C1C}">
+                <a14:useLocalDpi xmlns:a14="http://schemas.microsoft.com/office/drawing/2010/main" val="0"/>
+              </a:ext>
+            </a:extLst>
+          </a:blip>
+          <a:stretch>
+            <a:fillRect/>
+          </a:stretch>
+        </p:blipFill>
+        <p:spPr>
+          <a:xfrm>
+            <a:off x="2862080" y="2767097"/>
+            <a:ext cx="451990" cy="451990"/>
+          </a:xfrm>
+          <a:prstGeom prst="rect">
+            <a:avLst/>
+          </a:prstGeom>
+        </p:spPr>
+      </p:pic>
+      <p:cxnSp>
+        <p:nvCxnSpPr>
+          <p:cNvPr id="59" name="直接连接符 58">
+            <a:extLst>
+              <a:ext uri="{FF2B5EF4-FFF2-40B4-BE49-F238E27FC236}">
+                <a16:creationId xmlns:a16="http://schemas.microsoft.com/office/drawing/2014/main" id="{554D8D14-D48D-45F6-89A6-634C964B8AE8}"/>
+              </a:ext>
+            </a:extLst>
+          </p:cNvPr>
+          <p:cNvCxnSpPr>
+            <a:cxnSpLocks/>
+          </p:cNvCxnSpPr>
+          <p:nvPr/>
+        </p:nvCxnSpPr>
+        <p:spPr>
+          <a:xfrm>
+            <a:off x="3764244" y="1944937"/>
+            <a:ext cx="1126541" cy="0"/>
+          </a:xfrm>
+          <a:prstGeom prst="line">
+            <a:avLst/>
+          </a:prstGeom>
+          <a:ln w="9525" cap="flat" cmpd="sng" algn="ctr">
+            <a:solidFill>
+              <a:schemeClr val="accent3"/>
+            </a:solidFill>
+            <a:prstDash val="dash"/>
+            <a:round/>
+            <a:headEnd type="none" w="med" len="med"/>
+            <a:tailEnd type="none" w="med" len="med"/>
+          </a:ln>
+        </p:spPr>
+        <p:style>
+          <a:lnRef idx="0">
+            <a:scrgbClr r="0" g="0" b="0"/>
+          </a:lnRef>
+          <a:fillRef idx="0">
+            <a:scrgbClr r="0" g="0" b="0"/>
+          </a:fillRef>
+          <a:effectRef idx="0">
+            <a:scrgbClr r="0" g="0" b="0"/>
+          </a:effectRef>
+          <a:fontRef idx="minor">
+            <a:schemeClr val="tx1"/>
+          </a:fontRef>
+        </p:style>
+      </p:cxnSp>
+      <p:cxnSp>
+        <p:nvCxnSpPr>
+          <p:cNvPr id="62" name="直接连接符 61">
+            <a:extLst>
+              <a:ext uri="{FF2B5EF4-FFF2-40B4-BE49-F238E27FC236}">
+                <a16:creationId xmlns:a16="http://schemas.microsoft.com/office/drawing/2014/main" id="{71513585-2402-4773-B202-B5A94B9B4E68}"/>
+              </a:ext>
+            </a:extLst>
+          </p:cNvPr>
+          <p:cNvCxnSpPr>
+            <a:cxnSpLocks/>
+          </p:cNvCxnSpPr>
+          <p:nvPr/>
+        </p:nvCxnSpPr>
+        <p:spPr>
+          <a:xfrm>
+            <a:off x="3764244" y="2730300"/>
+            <a:ext cx="1126541" cy="0"/>
+          </a:xfrm>
+          <a:prstGeom prst="line">
+            <a:avLst/>
+          </a:prstGeom>
+          <a:ln w="9525" cap="flat" cmpd="sng" algn="ctr">
+            <a:solidFill>
+              <a:schemeClr val="accent3"/>
+            </a:solidFill>
+            <a:prstDash val="dash"/>
+            <a:round/>
+            <a:headEnd type="none" w="med" len="med"/>
+            <a:tailEnd type="none" w="med" len="med"/>
+          </a:ln>
+        </p:spPr>
+        <p:style>
+          <a:lnRef idx="0">
+            <a:scrgbClr r="0" g="0" b="0"/>
+          </a:lnRef>
+          <a:fillRef idx="0">
+            <a:scrgbClr r="0" g="0" b="0"/>
+          </a:fillRef>
+          <a:effectRef idx="0">
+            <a:scrgbClr r="0" g="0" b="0"/>
+          </a:effectRef>
+          <a:fontRef idx="minor">
+            <a:schemeClr val="tx1"/>
+          </a:fontRef>
+        </p:style>
+      </p:cxnSp>
+      <p:cxnSp>
+        <p:nvCxnSpPr>
+          <p:cNvPr id="64" name="直接连接符 63">
+            <a:extLst>
+              <a:ext uri="{FF2B5EF4-FFF2-40B4-BE49-F238E27FC236}">
+                <a16:creationId xmlns:a16="http://schemas.microsoft.com/office/drawing/2014/main" id="{F11B205F-0707-4A55-ACA4-3B1022C2AD5E}"/>
+              </a:ext>
+            </a:extLst>
+          </p:cNvPr>
+          <p:cNvCxnSpPr>
+            <a:cxnSpLocks/>
+          </p:cNvCxnSpPr>
+          <p:nvPr/>
+        </p:nvCxnSpPr>
+        <p:spPr>
+          <a:xfrm flipV="1">
+            <a:off x="3307936" y="2471462"/>
+            <a:ext cx="1536192" cy="0"/>
+          </a:xfrm>
+          <a:prstGeom prst="line">
+            <a:avLst/>
+          </a:prstGeom>
+          <a:ln w="9525" cap="flat" cmpd="sng" algn="ctr">
+            <a:solidFill>
+              <a:schemeClr val="accent3"/>
+            </a:solidFill>
+            <a:prstDash val="dash"/>
+            <a:round/>
+            <a:headEnd type="none" w="med" len="med"/>
+            <a:tailEnd type="none" w="med" len="med"/>
+          </a:ln>
+        </p:spPr>
+        <p:style>
+          <a:lnRef idx="0">
+            <a:scrgbClr r="0" g="0" b="0"/>
+          </a:lnRef>
+          <a:fillRef idx="0">
+            <a:scrgbClr r="0" g="0" b="0"/>
+          </a:fillRef>
+          <a:effectRef idx="0">
+            <a:scrgbClr r="0" g="0" b="0"/>
+          </a:effectRef>
+          <a:fontRef idx="minor">
+            <a:schemeClr val="tx1"/>
+          </a:fontRef>
+        </p:style>
+      </p:cxnSp>
+      <p:cxnSp>
+        <p:nvCxnSpPr>
+          <p:cNvPr id="69" name="直接连接符 68">
+            <a:extLst>
+              <a:ext uri="{FF2B5EF4-FFF2-40B4-BE49-F238E27FC236}">
+                <a16:creationId xmlns:a16="http://schemas.microsoft.com/office/drawing/2014/main" id="{C23963EC-181B-4C8C-91B5-30994438B94F}"/>
+              </a:ext>
+            </a:extLst>
+          </p:cNvPr>
+          <p:cNvCxnSpPr>
+            <a:cxnSpLocks/>
+          </p:cNvCxnSpPr>
+          <p:nvPr/>
+        </p:nvCxnSpPr>
+        <p:spPr>
+          <a:xfrm>
+            <a:off x="3314070" y="2200707"/>
+            <a:ext cx="1536192" cy="0"/>
+          </a:xfrm>
+          <a:prstGeom prst="line">
+            <a:avLst/>
+          </a:prstGeom>
+          <a:ln w="9525" cap="flat" cmpd="sng" algn="ctr">
+            <a:solidFill>
+              <a:schemeClr val="accent3"/>
+            </a:solidFill>
+            <a:prstDash val="dash"/>
+            <a:round/>
+            <a:headEnd type="none" w="med" len="med"/>
+            <a:tailEnd type="none" w="med" len="med"/>
+          </a:ln>
+        </p:spPr>
+        <p:style>
+          <a:lnRef idx="0">
+            <a:scrgbClr r="0" g="0" b="0"/>
+          </a:lnRef>
+          <a:fillRef idx="0">
+            <a:scrgbClr r="0" g="0" b="0"/>
+          </a:fillRef>
+          <a:effectRef idx="0">
+            <a:scrgbClr r="0" g="0" b="0"/>
+          </a:effectRef>
+          <a:fontRef idx="minor">
+            <a:schemeClr val="tx1"/>
+          </a:fontRef>
+        </p:style>
+      </p:cxnSp>
+      <p:cxnSp>
+        <p:nvCxnSpPr>
+          <p:cNvPr id="83" name="直接连接符 82">
+            <a:extLst>
+              <a:ext uri="{FF2B5EF4-FFF2-40B4-BE49-F238E27FC236}">
+                <a16:creationId xmlns:a16="http://schemas.microsoft.com/office/drawing/2014/main" id="{2B1DA2A3-4ED3-4440-94B7-BBD22FB36479}"/>
+              </a:ext>
+            </a:extLst>
+          </p:cNvPr>
+          <p:cNvCxnSpPr>
+            <a:cxnSpLocks/>
+            <a:endCxn id="15" idx="3"/>
+          </p:cNvCxnSpPr>
+          <p:nvPr/>
+        </p:nvCxnSpPr>
+        <p:spPr>
+          <a:xfrm flipH="1" flipV="1">
+            <a:off x="3314070" y="1678461"/>
+            <a:ext cx="450174" cy="266477"/>
+          </a:xfrm>
+          <a:prstGeom prst="line">
+            <a:avLst/>
+          </a:prstGeom>
+          <a:ln w="9525" cap="flat" cmpd="sng" algn="ctr">
+            <a:solidFill>
+              <a:schemeClr val="accent3"/>
+            </a:solidFill>
+            <a:prstDash val="dash"/>
+            <a:round/>
+            <a:headEnd type="none" w="med" len="med"/>
+            <a:tailEnd type="none" w="med" len="med"/>
+          </a:ln>
+        </p:spPr>
+        <p:style>
+          <a:lnRef idx="0">
+            <a:scrgbClr r="0" g="0" b="0"/>
+          </a:lnRef>
+          <a:fillRef idx="0">
+            <a:scrgbClr r="0" g="0" b="0"/>
+          </a:fillRef>
+          <a:effectRef idx="0">
+            <a:scrgbClr r="0" g="0" b="0"/>
+          </a:effectRef>
+          <a:fontRef idx="minor">
+            <a:schemeClr val="tx1"/>
+          </a:fontRef>
+        </p:style>
+      </p:cxnSp>
+      <p:cxnSp>
+        <p:nvCxnSpPr>
+          <p:cNvPr id="86" name="直接连接符 85">
+            <a:extLst>
+              <a:ext uri="{FF2B5EF4-FFF2-40B4-BE49-F238E27FC236}">
+                <a16:creationId xmlns:a16="http://schemas.microsoft.com/office/drawing/2014/main" id="{1DDB23F1-BC13-4F76-9BE4-AB93E1600A98}"/>
+              </a:ext>
+            </a:extLst>
+          </p:cNvPr>
+          <p:cNvCxnSpPr>
+            <a:endCxn id="21" idx="3"/>
+          </p:cNvCxnSpPr>
+          <p:nvPr/>
+        </p:nvCxnSpPr>
+        <p:spPr>
+          <a:xfrm flipH="1">
+            <a:off x="3314070" y="2730300"/>
+            <a:ext cx="450173" cy="262792"/>
+          </a:xfrm>
+          <a:prstGeom prst="line">
+            <a:avLst/>
+          </a:prstGeom>
+          <a:ln w="9525" cap="flat" cmpd="sng" algn="ctr">
+            <a:solidFill>
+              <a:schemeClr val="accent3"/>
+            </a:solidFill>
+            <a:prstDash val="dash"/>
+            <a:round/>
+            <a:headEnd type="none" w="med" len="med"/>
+            <a:tailEnd type="none" w="med" len="med"/>
+          </a:ln>
+        </p:spPr>
+        <p:style>
+          <a:lnRef idx="0">
+            <a:scrgbClr r="0" g="0" b="0"/>
+          </a:lnRef>
+          <a:fillRef idx="0">
+            <a:scrgbClr r="0" g="0" b="0"/>
+          </a:fillRef>
+          <a:effectRef idx="0">
+            <a:scrgbClr r="0" g="0" b="0"/>
+          </a:effectRef>
+          <a:fontRef idx="minor">
+            <a:schemeClr val="tx1"/>
+          </a:fontRef>
+        </p:style>
+      </p:cxnSp>
       <p:sp>
         <p:nvSpPr>
           <p:cNvPr id="5" name="文本框 4">
@@ -4315,6 +4272,790 @@
     <p:extLst>
       <p:ext uri="{BB962C8B-B14F-4D97-AF65-F5344CB8AC3E}">
         <p14:creationId xmlns:p14="http://schemas.microsoft.com/office/powerpoint/2010/main" val="1332831002"/>
+      </p:ext>
+    </p:extLst>
+  </p:cSld>
+  <p:clrMapOvr>
+    <a:masterClrMapping/>
+  </p:clrMapOvr>
+</p:sld>
+</file>
+
+<file path=ppt/slides/slide3.xml><?xml version="1.0" encoding="utf-8"?>
+<p:sld xmlns:a="http://schemas.openxmlformats.org/drawingml/2006/main" xmlns:r="http://schemas.openxmlformats.org/officeDocument/2006/relationships" xmlns:p="http://schemas.openxmlformats.org/presentationml/2006/main">
+  <p:cSld>
+    <p:spTree>
+      <p:nvGrpSpPr>
+        <p:cNvPr id="1" name=""/>
+        <p:cNvGrpSpPr/>
+        <p:nvPr/>
+      </p:nvGrpSpPr>
+      <p:grpSpPr>
+        <a:xfrm>
+          <a:off x="0" y="0"/>
+          <a:ext cx="0" cy="0"/>
+          <a:chOff x="0" y="0"/>
+          <a:chExt cx="0" cy="0"/>
+        </a:xfrm>
+      </p:grpSpPr>
+      <p:grpSp>
+        <p:nvGrpSpPr>
+          <p:cNvPr id="9" name="组合 8">
+            <a:extLst>
+              <a:ext uri="{FF2B5EF4-FFF2-40B4-BE49-F238E27FC236}">
+                <a16:creationId xmlns:a16="http://schemas.microsoft.com/office/drawing/2014/main" id="{55645112-D07C-4C6B-9392-39D9BADB5575}"/>
+              </a:ext>
+            </a:extLst>
+          </p:cNvPr>
+          <p:cNvGrpSpPr/>
+          <p:nvPr/>
+        </p:nvGrpSpPr>
+        <p:grpSpPr>
+          <a:xfrm>
+            <a:off x="1838689" y="1484042"/>
+            <a:ext cx="403562" cy="1577340"/>
+            <a:chOff x="3233387" y="1427998"/>
+            <a:chExt cx="386016" cy="1508760"/>
+          </a:xfrm>
+        </p:grpSpPr>
+        <p:pic>
+          <p:nvPicPr>
+            <p:cNvPr id="15" name="图片 14">
+              <a:extLst>
+                <a:ext uri="{FF2B5EF4-FFF2-40B4-BE49-F238E27FC236}">
+                  <a16:creationId xmlns:a16="http://schemas.microsoft.com/office/drawing/2014/main" id="{90FF3E6A-CD31-42D0-AE3C-13BDCB845E81}"/>
+                </a:ext>
+              </a:extLst>
+            </p:cNvPr>
+            <p:cNvPicPr>
+              <a:picLocks noChangeAspect="1"/>
+            </p:cNvPicPr>
+            <p:nvPr/>
+          </p:nvPicPr>
+          <p:blipFill>
+            <a:blip r:embed="rId2">
+              <a:extLst>
+                <a:ext uri="{28A0092B-C50C-407E-A947-70E740481C1C}">
+                  <a14:useLocalDpi xmlns:a14="http://schemas.microsoft.com/office/drawing/2010/main" val="0"/>
+                </a:ext>
+              </a:extLst>
+            </a:blip>
+            <a:stretch>
+              <a:fillRect/>
+            </a:stretch>
+          </p:blipFill>
+          <p:spPr>
+            <a:xfrm>
+              <a:off x="3233387" y="1427998"/>
+              <a:ext cx="386016" cy="386016"/>
+            </a:xfrm>
+            <a:prstGeom prst="rect">
+              <a:avLst/>
+            </a:prstGeom>
+          </p:spPr>
+        </p:pic>
+        <p:pic>
+          <p:nvPicPr>
+            <p:cNvPr id="17" name="图片 16">
+              <a:extLst>
+                <a:ext uri="{FF2B5EF4-FFF2-40B4-BE49-F238E27FC236}">
+                  <a16:creationId xmlns:a16="http://schemas.microsoft.com/office/drawing/2014/main" id="{C01174B4-89C2-4D0C-B26F-33035E962224}"/>
+                </a:ext>
+              </a:extLst>
+            </p:cNvPr>
+            <p:cNvPicPr>
+              <a:picLocks noChangeAspect="1"/>
+            </p:cNvPicPr>
+            <p:nvPr/>
+          </p:nvPicPr>
+          <p:blipFill>
+            <a:blip r:embed="rId3">
+              <a:extLst>
+                <a:ext uri="{28A0092B-C50C-407E-A947-70E740481C1C}">
+                  <a14:useLocalDpi xmlns:a14="http://schemas.microsoft.com/office/drawing/2010/main" val="0"/>
+                </a:ext>
+              </a:extLst>
+            </a:blip>
+            <a:stretch>
+              <a:fillRect/>
+            </a:stretch>
+          </p:blipFill>
+          <p:spPr>
+            <a:xfrm>
+              <a:off x="3233387" y="1802246"/>
+              <a:ext cx="386016" cy="386016"/>
+            </a:xfrm>
+            <a:prstGeom prst="rect">
+              <a:avLst/>
+            </a:prstGeom>
+          </p:spPr>
+        </p:pic>
+        <p:pic>
+          <p:nvPicPr>
+            <p:cNvPr id="19" name="图片 18">
+              <a:extLst>
+                <a:ext uri="{FF2B5EF4-FFF2-40B4-BE49-F238E27FC236}">
+                  <a16:creationId xmlns:a16="http://schemas.microsoft.com/office/drawing/2014/main" id="{07BC457B-E507-47EA-A887-0ABE6C066AD7}"/>
+                </a:ext>
+              </a:extLst>
+            </p:cNvPr>
+            <p:cNvPicPr>
+              <a:picLocks noChangeAspect="1"/>
+            </p:cNvPicPr>
+            <p:nvPr/>
+          </p:nvPicPr>
+          <p:blipFill>
+            <a:blip r:embed="rId4">
+              <a:extLst>
+                <a:ext uri="{28A0092B-C50C-407E-A947-70E740481C1C}">
+                  <a14:useLocalDpi xmlns:a14="http://schemas.microsoft.com/office/drawing/2010/main" val="0"/>
+                </a:ext>
+              </a:extLst>
+            </a:blip>
+            <a:stretch>
+              <a:fillRect/>
+            </a:stretch>
+          </p:blipFill>
+          <p:spPr>
+            <a:xfrm>
+              <a:off x="3233387" y="2176494"/>
+              <a:ext cx="386016" cy="386016"/>
+            </a:xfrm>
+            <a:prstGeom prst="rect">
+              <a:avLst/>
+            </a:prstGeom>
+          </p:spPr>
+        </p:pic>
+        <p:pic>
+          <p:nvPicPr>
+            <p:cNvPr id="21" name="图片 20">
+              <a:extLst>
+                <a:ext uri="{FF2B5EF4-FFF2-40B4-BE49-F238E27FC236}">
+                  <a16:creationId xmlns:a16="http://schemas.microsoft.com/office/drawing/2014/main" id="{C6EF89C3-AFE4-4732-9118-178D0EDE0DE1}"/>
+                </a:ext>
+              </a:extLst>
+            </p:cNvPr>
+            <p:cNvPicPr>
+              <a:picLocks noChangeAspect="1"/>
+            </p:cNvPicPr>
+            <p:nvPr/>
+          </p:nvPicPr>
+          <p:blipFill>
+            <a:blip r:embed="rId5">
+              <a:extLst>
+                <a:ext uri="{28A0092B-C50C-407E-A947-70E740481C1C}">
+                  <a14:useLocalDpi xmlns:a14="http://schemas.microsoft.com/office/drawing/2010/main" val="0"/>
+                </a:ext>
+              </a:extLst>
+            </a:blip>
+            <a:stretch>
+              <a:fillRect/>
+            </a:stretch>
+          </p:blipFill>
+          <p:spPr>
+            <a:xfrm>
+              <a:off x="3233387" y="2550742"/>
+              <a:ext cx="386016" cy="386016"/>
+            </a:xfrm>
+            <a:prstGeom prst="rect">
+              <a:avLst/>
+            </a:prstGeom>
+          </p:spPr>
+        </p:pic>
+      </p:grpSp>
+      <p:cxnSp>
+        <p:nvCxnSpPr>
+          <p:cNvPr id="59" name="直接连接符 58">
+            <a:extLst>
+              <a:ext uri="{FF2B5EF4-FFF2-40B4-BE49-F238E27FC236}">
+                <a16:creationId xmlns:a16="http://schemas.microsoft.com/office/drawing/2014/main" id="{554D8D14-D48D-45F6-89A6-634C964B8AE8}"/>
+              </a:ext>
+            </a:extLst>
+          </p:cNvPr>
+          <p:cNvCxnSpPr>
+            <a:cxnSpLocks/>
+          </p:cNvCxnSpPr>
+          <p:nvPr/>
+        </p:nvCxnSpPr>
+        <p:spPr>
+          <a:xfrm>
+            <a:off x="2644192" y="1923748"/>
+            <a:ext cx="736092" cy="0"/>
+          </a:xfrm>
+          <a:prstGeom prst="line">
+            <a:avLst/>
+          </a:prstGeom>
+          <a:ln w="9525" cap="flat" cmpd="sng" algn="ctr">
+            <a:solidFill>
+              <a:schemeClr val="accent3"/>
+            </a:solidFill>
+            <a:prstDash val="dash"/>
+            <a:round/>
+            <a:headEnd type="none" w="med" len="med"/>
+            <a:tailEnd type="none" w="med" len="med"/>
+          </a:ln>
+        </p:spPr>
+        <p:style>
+          <a:lnRef idx="0">
+            <a:scrgbClr r="0" g="0" b="0"/>
+          </a:lnRef>
+          <a:fillRef idx="0">
+            <a:scrgbClr r="0" g="0" b="0"/>
+          </a:fillRef>
+          <a:effectRef idx="0">
+            <a:scrgbClr r="0" g="0" b="0"/>
+          </a:effectRef>
+          <a:fontRef idx="minor">
+            <a:schemeClr val="tx1"/>
+          </a:fontRef>
+        </p:style>
+      </p:cxnSp>
+      <p:cxnSp>
+        <p:nvCxnSpPr>
+          <p:cNvPr id="62" name="直接连接符 61">
+            <a:extLst>
+              <a:ext uri="{FF2B5EF4-FFF2-40B4-BE49-F238E27FC236}">
+                <a16:creationId xmlns:a16="http://schemas.microsoft.com/office/drawing/2014/main" id="{71513585-2402-4773-B202-B5A94B9B4E68}"/>
+              </a:ext>
+            </a:extLst>
+          </p:cNvPr>
+          <p:cNvCxnSpPr>
+            <a:cxnSpLocks/>
+          </p:cNvCxnSpPr>
+          <p:nvPr/>
+        </p:nvCxnSpPr>
+        <p:spPr>
+          <a:xfrm>
+            <a:off x="2644192" y="2624965"/>
+            <a:ext cx="736092" cy="0"/>
+          </a:xfrm>
+          <a:prstGeom prst="line">
+            <a:avLst/>
+          </a:prstGeom>
+          <a:ln w="9525" cap="flat" cmpd="sng" algn="ctr">
+            <a:solidFill>
+              <a:schemeClr val="accent3"/>
+            </a:solidFill>
+            <a:prstDash val="dash"/>
+            <a:round/>
+            <a:headEnd type="none" w="med" len="med"/>
+            <a:tailEnd type="none" w="med" len="med"/>
+          </a:ln>
+        </p:spPr>
+        <p:style>
+          <a:lnRef idx="0">
+            <a:scrgbClr r="0" g="0" b="0"/>
+          </a:lnRef>
+          <a:fillRef idx="0">
+            <a:scrgbClr r="0" g="0" b="0"/>
+          </a:fillRef>
+          <a:effectRef idx="0">
+            <a:scrgbClr r="0" g="0" b="0"/>
+          </a:effectRef>
+          <a:fontRef idx="minor">
+            <a:schemeClr val="tx1"/>
+          </a:fontRef>
+        </p:style>
+      </p:cxnSp>
+      <p:cxnSp>
+        <p:nvCxnSpPr>
+          <p:cNvPr id="64" name="直接连接符 63">
+            <a:extLst>
+              <a:ext uri="{FF2B5EF4-FFF2-40B4-BE49-F238E27FC236}">
+                <a16:creationId xmlns:a16="http://schemas.microsoft.com/office/drawing/2014/main" id="{F11B205F-0707-4A55-ACA4-3B1022C2AD5E}"/>
+              </a:ext>
+            </a:extLst>
+          </p:cNvPr>
+          <p:cNvCxnSpPr>
+            <a:cxnSpLocks/>
+          </p:cNvCxnSpPr>
+          <p:nvPr/>
+        </p:nvCxnSpPr>
+        <p:spPr>
+          <a:xfrm flipV="1">
+            <a:off x="2236775" y="2393859"/>
+            <a:ext cx="1156716" cy="0"/>
+          </a:xfrm>
+          <a:prstGeom prst="line">
+            <a:avLst/>
+          </a:prstGeom>
+          <a:ln w="9525" cap="flat" cmpd="sng" algn="ctr">
+            <a:solidFill>
+              <a:schemeClr val="accent3"/>
+            </a:solidFill>
+            <a:prstDash val="dash"/>
+            <a:round/>
+            <a:headEnd type="none" w="med" len="med"/>
+            <a:tailEnd type="none" w="med" len="med"/>
+          </a:ln>
+        </p:spPr>
+        <p:style>
+          <a:lnRef idx="0">
+            <a:scrgbClr r="0" g="0" b="0"/>
+          </a:lnRef>
+          <a:fillRef idx="0">
+            <a:scrgbClr r="0" g="0" b="0"/>
+          </a:fillRef>
+          <a:effectRef idx="0">
+            <a:scrgbClr r="0" g="0" b="0"/>
+          </a:effectRef>
+          <a:fontRef idx="minor">
+            <a:schemeClr val="tx1"/>
+          </a:fontRef>
+        </p:style>
+      </p:cxnSp>
+      <p:cxnSp>
+        <p:nvCxnSpPr>
+          <p:cNvPr id="69" name="直接连接符 68">
+            <a:extLst>
+              <a:ext uri="{FF2B5EF4-FFF2-40B4-BE49-F238E27FC236}">
+                <a16:creationId xmlns:a16="http://schemas.microsoft.com/office/drawing/2014/main" id="{C23963EC-181B-4C8C-91B5-30994438B94F}"/>
+              </a:ext>
+            </a:extLst>
+          </p:cNvPr>
+          <p:cNvCxnSpPr>
+            <a:cxnSpLocks/>
+          </p:cNvCxnSpPr>
+          <p:nvPr/>
+        </p:nvCxnSpPr>
+        <p:spPr>
+          <a:xfrm>
+            <a:off x="2242251" y="2152114"/>
+            <a:ext cx="1156716" cy="0"/>
+          </a:xfrm>
+          <a:prstGeom prst="line">
+            <a:avLst/>
+          </a:prstGeom>
+          <a:ln w="9525" cap="flat" cmpd="sng" algn="ctr">
+            <a:solidFill>
+              <a:schemeClr val="accent3"/>
+            </a:solidFill>
+            <a:prstDash val="dash"/>
+            <a:round/>
+            <a:headEnd type="none" w="med" len="med"/>
+            <a:tailEnd type="none" w="med" len="med"/>
+          </a:ln>
+        </p:spPr>
+        <p:style>
+          <a:lnRef idx="0">
+            <a:scrgbClr r="0" g="0" b="0"/>
+          </a:lnRef>
+          <a:fillRef idx="0">
+            <a:scrgbClr r="0" g="0" b="0"/>
+          </a:fillRef>
+          <a:effectRef idx="0">
+            <a:scrgbClr r="0" g="0" b="0"/>
+          </a:effectRef>
+          <a:fontRef idx="minor">
+            <a:schemeClr val="tx1"/>
+          </a:fontRef>
+        </p:style>
+      </p:cxnSp>
+      <p:cxnSp>
+        <p:nvCxnSpPr>
+          <p:cNvPr id="83" name="直接连接符 82">
+            <a:extLst>
+              <a:ext uri="{FF2B5EF4-FFF2-40B4-BE49-F238E27FC236}">
+                <a16:creationId xmlns:a16="http://schemas.microsoft.com/office/drawing/2014/main" id="{2B1DA2A3-4ED3-4440-94B7-BBD22FB36479}"/>
+              </a:ext>
+            </a:extLst>
+          </p:cNvPr>
+          <p:cNvCxnSpPr>
+            <a:cxnSpLocks/>
+            <a:endCxn id="15" idx="3"/>
+          </p:cNvCxnSpPr>
+          <p:nvPr/>
+        </p:nvCxnSpPr>
+        <p:spPr>
+          <a:xfrm flipH="1" flipV="1">
+            <a:off x="2242251" y="1685823"/>
+            <a:ext cx="401941" cy="237926"/>
+          </a:xfrm>
+          <a:prstGeom prst="line">
+            <a:avLst/>
+          </a:prstGeom>
+          <a:ln w="9525" cap="flat" cmpd="sng" algn="ctr">
+            <a:solidFill>
+              <a:schemeClr val="accent3"/>
+            </a:solidFill>
+            <a:prstDash val="dash"/>
+            <a:round/>
+            <a:headEnd type="none" w="med" len="med"/>
+            <a:tailEnd type="none" w="med" len="med"/>
+          </a:ln>
+        </p:spPr>
+        <p:style>
+          <a:lnRef idx="0">
+            <a:scrgbClr r="0" g="0" b="0"/>
+          </a:lnRef>
+          <a:fillRef idx="0">
+            <a:scrgbClr r="0" g="0" b="0"/>
+          </a:fillRef>
+          <a:effectRef idx="0">
+            <a:scrgbClr r="0" g="0" b="0"/>
+          </a:effectRef>
+          <a:fontRef idx="minor">
+            <a:schemeClr val="tx1"/>
+          </a:fontRef>
+        </p:style>
+      </p:cxnSp>
+      <p:cxnSp>
+        <p:nvCxnSpPr>
+          <p:cNvPr id="86" name="直接连接符 85">
+            <a:extLst>
+              <a:ext uri="{FF2B5EF4-FFF2-40B4-BE49-F238E27FC236}">
+                <a16:creationId xmlns:a16="http://schemas.microsoft.com/office/drawing/2014/main" id="{1DDB23F1-BC13-4F76-9BE4-AB93E1600A98}"/>
+              </a:ext>
+            </a:extLst>
+          </p:cNvPr>
+          <p:cNvCxnSpPr>
+            <a:endCxn id="21" idx="3"/>
+          </p:cNvCxnSpPr>
+          <p:nvPr/>
+        </p:nvCxnSpPr>
+        <p:spPr>
+          <a:xfrm flipH="1">
+            <a:off x="2242251" y="2624965"/>
+            <a:ext cx="401940" cy="234636"/>
+          </a:xfrm>
+          <a:prstGeom prst="line">
+            <a:avLst/>
+          </a:prstGeom>
+          <a:ln w="9525" cap="flat" cmpd="sng" algn="ctr">
+            <a:solidFill>
+              <a:schemeClr val="accent3"/>
+            </a:solidFill>
+            <a:prstDash val="dash"/>
+            <a:round/>
+            <a:headEnd type="none" w="med" len="med"/>
+            <a:tailEnd type="none" w="med" len="med"/>
+          </a:ln>
+        </p:spPr>
+        <p:style>
+          <a:lnRef idx="0">
+            <a:scrgbClr r="0" g="0" b="0"/>
+          </a:lnRef>
+          <a:fillRef idx="0">
+            <a:scrgbClr r="0" g="0" b="0"/>
+          </a:fillRef>
+          <a:effectRef idx="0">
+            <a:scrgbClr r="0" g="0" b="0"/>
+          </a:effectRef>
+          <a:fontRef idx="minor">
+            <a:schemeClr val="tx1"/>
+          </a:fontRef>
+        </p:style>
+      </p:cxnSp>
+      <p:sp>
+        <p:nvSpPr>
+          <p:cNvPr id="5" name="文本框 4">
+            <a:extLst>
+              <a:ext uri="{FF2B5EF4-FFF2-40B4-BE49-F238E27FC236}">
+                <a16:creationId xmlns:a16="http://schemas.microsoft.com/office/drawing/2014/main" id="{D01C0A0C-C039-423C-A515-A9BDBADCF5E6}"/>
+              </a:ext>
+            </a:extLst>
+          </p:cNvPr>
+          <p:cNvSpPr txBox="1"/>
+          <p:nvPr/>
+        </p:nvSpPr>
+        <p:spPr>
+          <a:xfrm>
+            <a:off x="4486350" y="4135518"/>
+            <a:ext cx="6347976" cy="2205732"/>
+          </a:xfrm>
+          <a:prstGeom prst="rect">
+            <a:avLst/>
+          </a:prstGeom>
+          <a:noFill/>
+        </p:spPr>
+        <p:txBody>
+          <a:bodyPr wrap="square" rtlCol="0">
+            <a:spAutoFit/>
+          </a:bodyPr>
+          <a:lstStyle/>
+          <a:p>
+            <a:pPr>
+              <a:lnSpc>
+                <a:spcPts val="2500"/>
+              </a:lnSpc>
+            </a:pPr>
+            <a:r>
+              <a:rPr lang="en-US" sz="1600">
+                <a:latin typeface="Leelawadee UI" panose="020B0502040204020203" pitchFamily="34" charset="-34"/>
+                <a:ea typeface="Microsoft JhengHei Light" panose="020B0304030504040204" pitchFamily="34" charset="-120"/>
+                <a:cs typeface="Leelawadee UI" panose="020B0502040204020203" pitchFamily="34" charset="-34"/>
+              </a:rPr>
+              <a:t>GND: connect this module </a:t>
+            </a:r>
+            <a:r>
+              <a:rPr lang="en-US" altLang="zh-CN" sz="1600">
+                <a:latin typeface="Leelawadee UI" panose="020B0502040204020203" pitchFamily="34" charset="-34"/>
+                <a:ea typeface="Microsoft JhengHei Light" panose="020B0304030504040204" pitchFamily="34" charset="-120"/>
+                <a:cs typeface="Leelawadee UI" panose="020B0502040204020203" pitchFamily="34" charset="-34"/>
+              </a:rPr>
+              <a:t>to</a:t>
+            </a:r>
+            <a:r>
+              <a:rPr lang="en-US" sz="1600">
+                <a:latin typeface="Leelawadee UI" panose="020B0502040204020203" pitchFamily="34" charset="-34"/>
+                <a:ea typeface="Microsoft JhengHei Light" panose="020B0304030504040204" pitchFamily="34" charset="-120"/>
+                <a:cs typeface="Leelawadee UI" panose="020B0502040204020203" pitchFamily="34" charset="-34"/>
+              </a:rPr>
+              <a:t> the system GND </a:t>
+            </a:r>
+          </a:p>
+          <a:p>
+            <a:pPr>
+              <a:lnSpc>
+                <a:spcPts val="2500"/>
+              </a:lnSpc>
+            </a:pPr>
+            <a:r>
+              <a:rPr lang="en-US" sz="1600">
+                <a:latin typeface="Leelawadee UI" panose="020B0502040204020203" pitchFamily="34" charset="-34"/>
+                <a:ea typeface="Microsoft JhengHei Light" panose="020B0304030504040204" pitchFamily="34" charset="-120"/>
+                <a:cs typeface="Leelawadee UI" panose="020B0502040204020203" pitchFamily="34" charset="-34"/>
+              </a:rPr>
+              <a:t>VCC: you can use 5V or 3.3V for this module</a:t>
+            </a:r>
+          </a:p>
+          <a:p>
+            <a:pPr>
+              <a:lnSpc>
+                <a:spcPts val="2500"/>
+              </a:lnSpc>
+            </a:pPr>
+            <a:r>
+              <a:rPr lang="en-US" sz="1600">
+                <a:latin typeface="Leelawadee UI" panose="020B0502040204020203" pitchFamily="34" charset="-34"/>
+                <a:ea typeface="Microsoft JhengHei Light" panose="020B0304030504040204" pitchFamily="34" charset="-120"/>
+                <a:cs typeface="Leelawadee UI" panose="020B0502040204020203" pitchFamily="34" charset="-34"/>
+              </a:rPr>
+              <a:t>NC: </a:t>
+            </a:r>
+            <a:r>
+              <a:rPr lang="en-US" altLang="zh-CN" sz="1600">
+                <a:latin typeface="Leelawadee UI" panose="020B0502040204020203" pitchFamily="34" charset="-34"/>
+                <a:ea typeface="Microsoft JhengHei Light" panose="020B0304030504040204" pitchFamily="34" charset="-120"/>
+                <a:cs typeface="Leelawadee UI" panose="020B0502040204020203" pitchFamily="34" charset="-34"/>
+              </a:rPr>
+              <a:t>none connected in this module</a:t>
+            </a:r>
+            <a:endParaRPr lang="en-US" sz="1600">
+              <a:latin typeface="Leelawadee UI" panose="020B0502040204020203" pitchFamily="34" charset="-34"/>
+              <a:ea typeface="Microsoft JhengHei Light" panose="020B0304030504040204" pitchFamily="34" charset="-120"/>
+              <a:cs typeface="Leelawadee UI" panose="020B0502040204020203" pitchFamily="34" charset="-34"/>
+            </a:endParaRPr>
+          </a:p>
+          <a:p>
+            <a:pPr>
+              <a:lnSpc>
+                <a:spcPts val="2500"/>
+              </a:lnSpc>
+            </a:pPr>
+            <a:r>
+              <a:rPr lang="en-US" sz="1600">
+                <a:latin typeface="Leelawadee UI" panose="020B0502040204020203" pitchFamily="34" charset="-34"/>
+                <a:ea typeface="Microsoft JhengHei Light" panose="020B0304030504040204" pitchFamily="34" charset="-120"/>
+                <a:cs typeface="Leelawadee UI" panose="020B0502040204020203" pitchFamily="34" charset="-34"/>
+              </a:rPr>
+              <a:t>OUT: output the Vout voltage signal</a:t>
+            </a:r>
+          </a:p>
+          <a:p>
+            <a:endParaRPr lang="en-US" sz="1200">
+              <a:solidFill>
+                <a:srgbClr val="D4D4D4"/>
+              </a:solidFill>
+              <a:latin typeface="Consolas" panose="020B0609020204030204" pitchFamily="49" charset="0"/>
+            </a:endParaRPr>
+          </a:p>
+          <a:p>
+            <a:endParaRPr lang="en-US" sz="1200">
+              <a:latin typeface="Times New Roman" panose="02020603050405020304" pitchFamily="18" charset="0"/>
+              <a:cs typeface="Times New Roman" panose="02020603050405020304" pitchFamily="18" charset="0"/>
+            </a:endParaRPr>
+          </a:p>
+          <a:p>
+            <a:endParaRPr lang="en-US" sz="1200">
+              <a:latin typeface="Times New Roman" panose="02020603050405020304" pitchFamily="18" charset="0"/>
+              <a:cs typeface="Times New Roman" panose="02020603050405020304" pitchFamily="18" charset="0"/>
+            </a:endParaRPr>
+          </a:p>
+          <a:p>
+            <a:endParaRPr lang="en-US"/>
+          </a:p>
+        </p:txBody>
+      </p:sp>
+      <p:grpSp>
+        <p:nvGrpSpPr>
+          <p:cNvPr id="2" name="组合 1">
+            <a:extLst>
+              <a:ext uri="{FF2B5EF4-FFF2-40B4-BE49-F238E27FC236}">
+                <a16:creationId xmlns:a16="http://schemas.microsoft.com/office/drawing/2014/main" id="{B75E67AD-DC70-462C-926A-C0064ADB38AC}"/>
+              </a:ext>
+            </a:extLst>
+          </p:cNvPr>
+          <p:cNvGrpSpPr/>
+          <p:nvPr/>
+        </p:nvGrpSpPr>
+        <p:grpSpPr>
+          <a:xfrm>
+            <a:off x="4204731" y="4166558"/>
+            <a:ext cx="260762" cy="1285852"/>
+            <a:chOff x="4382532" y="4124223"/>
+            <a:chExt cx="260762" cy="1285852"/>
+          </a:xfrm>
+        </p:grpSpPr>
+        <p:pic>
+          <p:nvPicPr>
+            <p:cNvPr id="25" name="图片 24">
+              <a:extLst>
+                <a:ext uri="{FF2B5EF4-FFF2-40B4-BE49-F238E27FC236}">
+                  <a16:creationId xmlns:a16="http://schemas.microsoft.com/office/drawing/2014/main" id="{37126308-0125-4A61-8548-BB4E1513B07D}"/>
+                </a:ext>
+              </a:extLst>
+            </p:cNvPr>
+            <p:cNvPicPr>
+              <a:picLocks noChangeAspect="1"/>
+            </p:cNvPicPr>
+            <p:nvPr/>
+          </p:nvPicPr>
+          <p:blipFill>
+            <a:blip r:embed="rId2">
+              <a:extLst>
+                <a:ext uri="{28A0092B-C50C-407E-A947-70E740481C1C}">
+                  <a14:useLocalDpi xmlns:a14="http://schemas.microsoft.com/office/drawing/2010/main" val="0"/>
+                </a:ext>
+              </a:extLst>
+            </a:blip>
+            <a:stretch>
+              <a:fillRect/>
+            </a:stretch>
+          </p:blipFill>
+          <p:spPr>
+            <a:xfrm>
+              <a:off x="4382532" y="4124223"/>
+              <a:ext cx="260762" cy="260760"/>
+            </a:xfrm>
+            <a:prstGeom prst="rect">
+              <a:avLst/>
+            </a:prstGeom>
+          </p:spPr>
+        </p:pic>
+        <p:pic>
+          <p:nvPicPr>
+            <p:cNvPr id="26" name="图片 25">
+              <a:extLst>
+                <a:ext uri="{FF2B5EF4-FFF2-40B4-BE49-F238E27FC236}">
+                  <a16:creationId xmlns:a16="http://schemas.microsoft.com/office/drawing/2014/main" id="{D43424B8-FD8A-40A7-BA9C-3B9B28427892}"/>
+                </a:ext>
+              </a:extLst>
+            </p:cNvPr>
+            <p:cNvPicPr>
+              <a:picLocks noChangeAspect="1"/>
+            </p:cNvPicPr>
+            <p:nvPr/>
+          </p:nvPicPr>
+          <p:blipFill>
+            <a:blip r:embed="rId3">
+              <a:extLst>
+                <a:ext uri="{28A0092B-C50C-407E-A947-70E740481C1C}">
+                  <a14:useLocalDpi xmlns:a14="http://schemas.microsoft.com/office/drawing/2010/main" val="0"/>
+                </a:ext>
+              </a:extLst>
+            </a:blip>
+            <a:stretch>
+              <a:fillRect/>
+            </a:stretch>
+          </p:blipFill>
+          <p:spPr>
+            <a:xfrm>
+              <a:off x="4382532" y="4465920"/>
+              <a:ext cx="260762" cy="260760"/>
+            </a:xfrm>
+            <a:prstGeom prst="rect">
+              <a:avLst/>
+            </a:prstGeom>
+          </p:spPr>
+        </p:pic>
+        <p:pic>
+          <p:nvPicPr>
+            <p:cNvPr id="27" name="图片 26">
+              <a:extLst>
+                <a:ext uri="{FF2B5EF4-FFF2-40B4-BE49-F238E27FC236}">
+                  <a16:creationId xmlns:a16="http://schemas.microsoft.com/office/drawing/2014/main" id="{E7DFF96D-EFCF-411F-A96C-0982E2CB0AA5}"/>
+                </a:ext>
+              </a:extLst>
+            </p:cNvPr>
+            <p:cNvPicPr>
+              <a:picLocks noChangeAspect="1"/>
+            </p:cNvPicPr>
+            <p:nvPr/>
+          </p:nvPicPr>
+          <p:blipFill>
+            <a:blip r:embed="rId4">
+              <a:extLst>
+                <a:ext uri="{28A0092B-C50C-407E-A947-70E740481C1C}">
+                  <a14:useLocalDpi xmlns:a14="http://schemas.microsoft.com/office/drawing/2010/main" val="0"/>
+                </a:ext>
+              </a:extLst>
+            </a:blip>
+            <a:stretch>
+              <a:fillRect/>
+            </a:stretch>
+          </p:blipFill>
+          <p:spPr>
+            <a:xfrm>
+              <a:off x="4382532" y="4807618"/>
+              <a:ext cx="260762" cy="260760"/>
+            </a:xfrm>
+            <a:prstGeom prst="rect">
+              <a:avLst/>
+            </a:prstGeom>
+          </p:spPr>
+        </p:pic>
+        <p:pic>
+          <p:nvPicPr>
+            <p:cNvPr id="28" name="图片 27">
+              <a:extLst>
+                <a:ext uri="{FF2B5EF4-FFF2-40B4-BE49-F238E27FC236}">
+                  <a16:creationId xmlns:a16="http://schemas.microsoft.com/office/drawing/2014/main" id="{F26BB28F-8841-4089-94D8-F8433A1D9031}"/>
+                </a:ext>
+              </a:extLst>
+            </p:cNvPr>
+            <p:cNvPicPr>
+              <a:picLocks noChangeAspect="1"/>
+            </p:cNvPicPr>
+            <p:nvPr/>
+          </p:nvPicPr>
+          <p:blipFill>
+            <a:blip r:embed="rId5">
+              <a:extLst>
+                <a:ext uri="{28A0092B-C50C-407E-A947-70E740481C1C}">
+                  <a14:useLocalDpi xmlns:a14="http://schemas.microsoft.com/office/drawing/2010/main" val="0"/>
+                </a:ext>
+              </a:extLst>
+            </a:blip>
+            <a:stretch>
+              <a:fillRect/>
+            </a:stretch>
+          </p:blipFill>
+          <p:spPr>
+            <a:xfrm>
+              <a:off x="4382532" y="5149315"/>
+              <a:ext cx="260762" cy="260760"/>
+            </a:xfrm>
+            <a:prstGeom prst="rect">
+              <a:avLst/>
+            </a:prstGeom>
+          </p:spPr>
+        </p:pic>
+      </p:grpSp>
+    </p:spTree>
+    <p:extLst>
+      <p:ext uri="{BB962C8B-B14F-4D97-AF65-F5344CB8AC3E}">
+        <p14:creationId xmlns:p14="http://schemas.microsoft.com/office/powerpoint/2010/main" val="3081812326"/>
       </p:ext>
     </p:extLst>
   </p:cSld>
